--- a/assets/lectures/cbw/2019/RNASeq_Lecture_Module2_IntrotoRNA.pptx
+++ b/assets/lectures/cbw/2019/RNASeq_Lecture_Module2_IntrotoRNA.pptx
@@ -540,14 +540,14 @@
           </a:ln>
           <a:extLst>
             <a:ext uri="{909E8E84-426E-40dd-AFC4-6F175D3DCCD1}">
-              <a14:hiddenFill xmlns:a14="http://schemas.microsoft.com/office/drawing/2010/main" xmlns="">
+              <a14:hiddenFill xmlns="" xmlns:a14="http://schemas.microsoft.com/office/drawing/2010/main">
                 <a:solidFill>
                   <a:srgbClr val="FFFFFF"/>
                 </a:solidFill>
               </a14:hiddenFill>
             </a:ext>
             <a:ext uri="{FAA26D3D-D897-4be2-8F04-BA451C77F1D7}">
-              <ma14:placeholderFlag xmlns:ma14="http://schemas.microsoft.com/office/mac/drawingml/2011/main" xmlns="" val="1"/>
+              <ma14:placeholderFlag xmlns="" xmlns:ma14="http://schemas.microsoft.com/office/mac/drawingml/2011/main" val="1"/>
             </a:ext>
           </a:extLst>
         </p:spPr>
@@ -566,14 +566,14 @@
           <a:noFill/>
           <a:extLst>
             <a:ext uri="{909E8E84-426E-40dd-AFC4-6F175D3DCCD1}">
-              <a14:hiddenFill xmlns:a14="http://schemas.microsoft.com/office/drawing/2010/main" xmlns="">
+              <a14:hiddenFill xmlns="" xmlns:a14="http://schemas.microsoft.com/office/drawing/2010/main">
                 <a:solidFill>
                   <a:srgbClr val="FFFFFF"/>
                 </a:solidFill>
               </a14:hiddenFill>
             </a:ext>
             <a:ext uri="{91240B29-F687-4f45-9708-019B960494DF}">
-              <a14:hiddenLine xmlns:a14="http://schemas.microsoft.com/office/drawing/2010/main" xmlns="" w="9525">
+              <a14:hiddenLine xmlns="" xmlns:a14="http://schemas.microsoft.com/office/drawing/2010/main" w="9525">
                 <a:solidFill>
                   <a:srgbClr val="000000"/>
                 </a:solidFill>
@@ -583,7 +583,7 @@
               </a14:hiddenLine>
             </a:ext>
             <a:ext uri="{FAA26D3D-D897-4be2-8F04-BA451C77F1D7}">
-              <ma14:placeholderFlag xmlns:ma14="http://schemas.microsoft.com/office/mac/drawingml/2011/main" xmlns="" val="1"/>
+              <ma14:placeholderFlag xmlns="" xmlns:ma14="http://schemas.microsoft.com/office/mac/drawingml/2011/main" val="1"/>
             </a:ext>
           </a:extLst>
         </p:spPr>
@@ -617,14 +617,14 @@
           <a:noFill/>
           <a:extLst>
             <a:ext uri="{909E8E84-426E-40dd-AFC4-6F175D3DCCD1}">
-              <a14:hiddenFill xmlns:a14="http://schemas.microsoft.com/office/drawing/2010/main" xmlns="">
+              <a14:hiddenFill xmlns="" xmlns:a14="http://schemas.microsoft.com/office/drawing/2010/main">
                 <a:solidFill>
                   <a:srgbClr val="FFFFFF"/>
                 </a:solidFill>
               </a14:hiddenFill>
             </a:ext>
             <a:ext uri="{91240B29-F687-4f45-9708-019B960494DF}">
-              <a14:hiddenLine xmlns:a14="http://schemas.microsoft.com/office/drawing/2010/main" xmlns="" w="9525">
+              <a14:hiddenLine xmlns="" xmlns:a14="http://schemas.microsoft.com/office/drawing/2010/main" w="9525">
                 <a:solidFill>
                   <a:srgbClr val="000000"/>
                 </a:solidFill>
@@ -804,14 +804,14 @@
           <a:noFill/>
           <a:extLst>
             <a:ext uri="{909E8E84-426E-40dd-AFC4-6F175D3DCCD1}">
-              <a14:hiddenFill xmlns:a14="http://schemas.microsoft.com/office/drawing/2010/main" xmlns="">
+              <a14:hiddenFill xmlns="" xmlns:a14="http://schemas.microsoft.com/office/drawing/2010/main">
                 <a:solidFill>
                   <a:srgbClr val="FFFFFF"/>
                 </a:solidFill>
               </a14:hiddenFill>
             </a:ext>
             <a:ext uri="{91240B29-F687-4f45-9708-019B960494DF}">
-              <a14:hiddenLine xmlns:a14="http://schemas.microsoft.com/office/drawing/2010/main" xmlns="" w="9525">
+              <a14:hiddenLine xmlns="" xmlns:a14="http://schemas.microsoft.com/office/drawing/2010/main" w="9525">
                 <a:solidFill>
                   <a:srgbClr val="000000"/>
                 </a:solidFill>
@@ -971,7 +971,7 @@
           </a:ln>
           <a:extLst>
             <a:ext uri="{FAA26D3D-D897-4be2-8F04-BA451C77F1D7}">
-              <ma14:placeholderFlag xmlns:ma14="http://schemas.microsoft.com/office/mac/drawingml/2011/main" xmlns="" val="1"/>
+              <ma14:placeholderFlag xmlns="" xmlns:ma14="http://schemas.microsoft.com/office/mac/drawingml/2011/main" val="1"/>
             </a:ext>
           </a:extLst>
         </p:spPr>
@@ -1000,7 +1000,7 @@
           </a:ln>
           <a:extLst>
             <a:ext uri="{FAA26D3D-D897-4be2-8F04-BA451C77F1D7}">
-              <ma14:placeholderFlag xmlns:ma14="http://schemas.microsoft.com/office/mac/drawingml/2011/main" xmlns="" val="1"/>
+              <ma14:placeholderFlag xmlns="" xmlns:ma14="http://schemas.microsoft.com/office/mac/drawingml/2011/main" val="1"/>
             </a:ext>
           </a:extLst>
         </p:spPr>
@@ -1065,14 +1065,14 @@
           <a:noFill/>
           <a:extLst>
             <a:ext uri="{909E8E84-426E-40dd-AFC4-6F175D3DCCD1}">
-              <a14:hiddenFill xmlns:a14="http://schemas.microsoft.com/office/drawing/2010/main" xmlns="">
+              <a14:hiddenFill xmlns="" xmlns:a14="http://schemas.microsoft.com/office/drawing/2010/main">
                 <a:solidFill>
                   <a:srgbClr val="FFFFFF"/>
                 </a:solidFill>
               </a14:hiddenFill>
             </a:ext>
             <a:ext uri="{91240B29-F687-4f45-9708-019B960494DF}">
-              <a14:hiddenLine xmlns:a14="http://schemas.microsoft.com/office/drawing/2010/main" xmlns="" w="9525">
+              <a14:hiddenLine xmlns="" xmlns:a14="http://schemas.microsoft.com/office/drawing/2010/main" w="9525">
                 <a:solidFill>
                   <a:srgbClr val="000000"/>
                 </a:solidFill>
@@ -1232,7 +1232,7 @@
           </a:ln>
           <a:extLst>
             <a:ext uri="{FAA26D3D-D897-4be2-8F04-BA451C77F1D7}">
-              <ma14:placeholderFlag xmlns:ma14="http://schemas.microsoft.com/office/mac/drawingml/2011/main" xmlns="" val="1"/>
+              <ma14:placeholderFlag xmlns="" xmlns:ma14="http://schemas.microsoft.com/office/mac/drawingml/2011/main" val="1"/>
             </a:ext>
           </a:extLst>
         </p:spPr>
@@ -1261,7 +1261,7 @@
           </a:ln>
           <a:extLst>
             <a:ext uri="{FAA26D3D-D897-4be2-8F04-BA451C77F1D7}">
-              <ma14:placeholderFlag xmlns:ma14="http://schemas.microsoft.com/office/mac/drawingml/2011/main" xmlns="" val="1"/>
+              <ma14:placeholderFlag xmlns="" xmlns:ma14="http://schemas.microsoft.com/office/mac/drawingml/2011/main" val="1"/>
             </a:ext>
           </a:extLst>
         </p:spPr>
@@ -1326,14 +1326,14 @@
           <a:noFill/>
           <a:extLst>
             <a:ext uri="{909E8E84-426E-40dd-AFC4-6F175D3DCCD1}">
-              <a14:hiddenFill xmlns:a14="http://schemas.microsoft.com/office/drawing/2010/main" xmlns="">
+              <a14:hiddenFill xmlns="" xmlns:a14="http://schemas.microsoft.com/office/drawing/2010/main">
                 <a:solidFill>
                   <a:srgbClr val="FFFFFF"/>
                 </a:solidFill>
               </a14:hiddenFill>
             </a:ext>
             <a:ext uri="{91240B29-F687-4f45-9708-019B960494DF}">
-              <a14:hiddenLine xmlns:a14="http://schemas.microsoft.com/office/drawing/2010/main" xmlns="" w="9525">
+              <a14:hiddenLine xmlns="" xmlns:a14="http://schemas.microsoft.com/office/drawing/2010/main" w="9525">
                 <a:solidFill>
                   <a:srgbClr val="000000"/>
                 </a:solidFill>
@@ -1493,7 +1493,7 @@
           </a:ln>
           <a:extLst>
             <a:ext uri="{FAA26D3D-D897-4be2-8F04-BA451C77F1D7}">
-              <ma14:placeholderFlag xmlns:ma14="http://schemas.microsoft.com/office/mac/drawingml/2011/main" xmlns="" val="1"/>
+              <ma14:placeholderFlag xmlns="" xmlns:ma14="http://schemas.microsoft.com/office/mac/drawingml/2011/main" val="1"/>
             </a:ext>
           </a:extLst>
         </p:spPr>
@@ -1522,7 +1522,7 @@
           </a:ln>
           <a:extLst>
             <a:ext uri="{FAA26D3D-D897-4be2-8F04-BA451C77F1D7}">
-              <ma14:placeholderFlag xmlns:ma14="http://schemas.microsoft.com/office/mac/drawingml/2011/main" xmlns="" val="1"/>
+              <ma14:placeholderFlag xmlns="" xmlns:ma14="http://schemas.microsoft.com/office/mac/drawingml/2011/main" val="1"/>
             </a:ext>
           </a:extLst>
         </p:spPr>
@@ -1587,14 +1587,14 @@
           <a:noFill/>
           <a:extLst>
             <a:ext uri="{909E8E84-426E-40dd-AFC4-6F175D3DCCD1}">
-              <a14:hiddenFill xmlns:a14="http://schemas.microsoft.com/office/drawing/2010/main" xmlns="">
+              <a14:hiddenFill xmlns="" xmlns:a14="http://schemas.microsoft.com/office/drawing/2010/main">
                 <a:solidFill>
                   <a:srgbClr val="FFFFFF"/>
                 </a:solidFill>
               </a14:hiddenFill>
             </a:ext>
             <a:ext uri="{91240B29-F687-4f45-9708-019B960494DF}">
-              <a14:hiddenLine xmlns:a14="http://schemas.microsoft.com/office/drawing/2010/main" xmlns="" w="9525">
+              <a14:hiddenLine xmlns="" xmlns:a14="http://schemas.microsoft.com/office/drawing/2010/main" w="9525">
                 <a:solidFill>
                   <a:srgbClr val="000000"/>
                 </a:solidFill>
@@ -1754,7 +1754,7 @@
           </a:ln>
           <a:extLst>
             <a:ext uri="{FAA26D3D-D897-4be2-8F04-BA451C77F1D7}">
-              <ma14:placeholderFlag xmlns:ma14="http://schemas.microsoft.com/office/mac/drawingml/2011/main" xmlns="" val="1"/>
+              <ma14:placeholderFlag xmlns="" xmlns:ma14="http://schemas.microsoft.com/office/mac/drawingml/2011/main" val="1"/>
             </a:ext>
           </a:extLst>
         </p:spPr>
@@ -1783,7 +1783,7 @@
           </a:ln>
           <a:extLst>
             <a:ext uri="{FAA26D3D-D897-4be2-8F04-BA451C77F1D7}">
-              <ma14:placeholderFlag xmlns:ma14="http://schemas.microsoft.com/office/mac/drawingml/2011/main" xmlns="" val="1"/>
+              <ma14:placeholderFlag xmlns="" xmlns:ma14="http://schemas.microsoft.com/office/mac/drawingml/2011/main" val="1"/>
             </a:ext>
           </a:extLst>
         </p:spPr>
@@ -1848,14 +1848,14 @@
           <a:noFill/>
           <a:extLst>
             <a:ext uri="{909E8E84-426E-40dd-AFC4-6F175D3DCCD1}">
-              <a14:hiddenFill xmlns:a14="http://schemas.microsoft.com/office/drawing/2010/main" xmlns="">
+              <a14:hiddenFill xmlns="" xmlns:a14="http://schemas.microsoft.com/office/drawing/2010/main">
                 <a:solidFill>
                   <a:srgbClr val="FFFFFF"/>
                 </a:solidFill>
               </a14:hiddenFill>
             </a:ext>
             <a:ext uri="{91240B29-F687-4f45-9708-019B960494DF}">
-              <a14:hiddenLine xmlns:a14="http://schemas.microsoft.com/office/drawing/2010/main" xmlns="" w="9525">
+              <a14:hiddenLine xmlns="" xmlns:a14="http://schemas.microsoft.com/office/drawing/2010/main" w="9525">
                 <a:solidFill>
                   <a:srgbClr val="000000"/>
                 </a:solidFill>
@@ -2015,7 +2015,7 @@
           </a:ln>
           <a:extLst>
             <a:ext uri="{FAA26D3D-D897-4be2-8F04-BA451C77F1D7}">
-              <ma14:placeholderFlag xmlns:ma14="http://schemas.microsoft.com/office/mac/drawingml/2011/main" xmlns="" val="1"/>
+              <ma14:placeholderFlag xmlns="" xmlns:ma14="http://schemas.microsoft.com/office/mac/drawingml/2011/main" val="1"/>
             </a:ext>
           </a:extLst>
         </p:spPr>
@@ -2044,7 +2044,7 @@
           </a:ln>
           <a:extLst>
             <a:ext uri="{FAA26D3D-D897-4be2-8F04-BA451C77F1D7}">
-              <ma14:placeholderFlag xmlns:ma14="http://schemas.microsoft.com/office/mac/drawingml/2011/main" xmlns="" val="1"/>
+              <ma14:placeholderFlag xmlns="" xmlns:ma14="http://schemas.microsoft.com/office/mac/drawingml/2011/main" val="1"/>
             </a:ext>
           </a:extLst>
         </p:spPr>
@@ -2193,14 +2193,14 @@
           <a:noFill/>
           <a:extLst>
             <a:ext uri="{909E8E84-426E-40dd-AFC4-6F175D3DCCD1}">
-              <a14:hiddenFill xmlns:a14="http://schemas.microsoft.com/office/drawing/2010/main" xmlns="">
+              <a14:hiddenFill xmlns="" xmlns:a14="http://schemas.microsoft.com/office/drawing/2010/main">
                 <a:solidFill>
                   <a:srgbClr val="FFFFFF"/>
                 </a:solidFill>
               </a14:hiddenFill>
             </a:ext>
             <a:ext uri="{91240B29-F687-4f45-9708-019B960494DF}">
-              <a14:hiddenLine xmlns:a14="http://schemas.microsoft.com/office/drawing/2010/main" xmlns="" w="9525">
+              <a14:hiddenLine xmlns="" xmlns:a14="http://schemas.microsoft.com/office/drawing/2010/main" w="9525">
                 <a:solidFill>
                   <a:srgbClr val="000000"/>
                 </a:solidFill>
@@ -2360,7 +2360,7 @@
           </a:ln>
           <a:extLst>
             <a:ext uri="{FAA26D3D-D897-4be2-8F04-BA451C77F1D7}">
-              <ma14:placeholderFlag xmlns:ma14="http://schemas.microsoft.com/office/mac/drawingml/2011/main" xmlns="" val="1"/>
+              <ma14:placeholderFlag xmlns="" xmlns:ma14="http://schemas.microsoft.com/office/mac/drawingml/2011/main" val="1"/>
             </a:ext>
           </a:extLst>
         </p:spPr>
@@ -2389,7 +2389,7 @@
           </a:ln>
           <a:extLst>
             <a:ext uri="{FAA26D3D-D897-4be2-8F04-BA451C77F1D7}">
-              <ma14:placeholderFlag xmlns:ma14="http://schemas.microsoft.com/office/mac/drawingml/2011/main" xmlns="" val="1"/>
+              <ma14:placeholderFlag xmlns="" xmlns:ma14="http://schemas.microsoft.com/office/mac/drawingml/2011/main" val="1"/>
             </a:ext>
           </a:extLst>
         </p:spPr>
@@ -2454,14 +2454,14 @@
           <a:noFill/>
           <a:extLst>
             <a:ext uri="{909E8E84-426E-40dd-AFC4-6F175D3DCCD1}">
-              <a14:hiddenFill xmlns:a14="http://schemas.microsoft.com/office/drawing/2010/main" xmlns="">
+              <a14:hiddenFill xmlns="" xmlns:a14="http://schemas.microsoft.com/office/drawing/2010/main">
                 <a:solidFill>
                   <a:srgbClr val="FFFFFF"/>
                 </a:solidFill>
               </a14:hiddenFill>
             </a:ext>
             <a:ext uri="{91240B29-F687-4f45-9708-019B960494DF}">
-              <a14:hiddenLine xmlns:a14="http://schemas.microsoft.com/office/drawing/2010/main" xmlns="" w="9525">
+              <a14:hiddenLine xmlns="" xmlns:a14="http://schemas.microsoft.com/office/drawing/2010/main" w="9525">
                 <a:solidFill>
                   <a:srgbClr val="000000"/>
                 </a:solidFill>
@@ -2621,7 +2621,7 @@
           </a:ln>
           <a:extLst>
             <a:ext uri="{FAA26D3D-D897-4be2-8F04-BA451C77F1D7}">
-              <ma14:placeholderFlag xmlns:ma14="http://schemas.microsoft.com/office/mac/drawingml/2011/main" xmlns="" val="1"/>
+              <ma14:placeholderFlag xmlns="" xmlns:ma14="http://schemas.microsoft.com/office/mac/drawingml/2011/main" val="1"/>
             </a:ext>
           </a:extLst>
         </p:spPr>
@@ -2650,7 +2650,7 @@
           </a:ln>
           <a:extLst>
             <a:ext uri="{FAA26D3D-D897-4be2-8F04-BA451C77F1D7}">
-              <ma14:placeholderFlag xmlns:ma14="http://schemas.microsoft.com/office/mac/drawingml/2011/main" xmlns="" val="1"/>
+              <ma14:placeholderFlag xmlns="" xmlns:ma14="http://schemas.microsoft.com/office/mac/drawingml/2011/main" val="1"/>
             </a:ext>
           </a:extLst>
         </p:spPr>
@@ -2822,14 +2822,14 @@
           <a:noFill/>
           <a:extLst>
             <a:ext uri="{909E8E84-426E-40dd-AFC4-6F175D3DCCD1}">
-              <a14:hiddenFill xmlns:a14="http://schemas.microsoft.com/office/drawing/2010/main" xmlns="">
+              <a14:hiddenFill xmlns="" xmlns:a14="http://schemas.microsoft.com/office/drawing/2010/main">
                 <a:solidFill>
                   <a:srgbClr val="FFFFFF"/>
                 </a:solidFill>
               </a14:hiddenFill>
             </a:ext>
             <a:ext uri="{91240B29-F687-4f45-9708-019B960494DF}">
-              <a14:hiddenLine xmlns:a14="http://schemas.microsoft.com/office/drawing/2010/main" xmlns="" w="9525">
+              <a14:hiddenLine xmlns="" xmlns:a14="http://schemas.microsoft.com/office/drawing/2010/main" w="9525">
                 <a:solidFill>
                   <a:srgbClr val="000000"/>
                 </a:solidFill>
@@ -2989,7 +2989,7 @@
           </a:ln>
           <a:extLst>
             <a:ext uri="{FAA26D3D-D897-4be2-8F04-BA451C77F1D7}">
-              <ma14:placeholderFlag xmlns:ma14="http://schemas.microsoft.com/office/mac/drawingml/2011/main" xmlns="" val="1"/>
+              <ma14:placeholderFlag xmlns="" xmlns:ma14="http://schemas.microsoft.com/office/mac/drawingml/2011/main" val="1"/>
             </a:ext>
           </a:extLst>
         </p:spPr>
@@ -3018,7 +3018,7 @@
           </a:ln>
           <a:extLst>
             <a:ext uri="{FAA26D3D-D897-4be2-8F04-BA451C77F1D7}">
-              <ma14:placeholderFlag xmlns:ma14="http://schemas.microsoft.com/office/mac/drawingml/2011/main" xmlns="" val="1"/>
+              <ma14:placeholderFlag xmlns="" xmlns:ma14="http://schemas.microsoft.com/office/mac/drawingml/2011/main" val="1"/>
             </a:ext>
           </a:extLst>
         </p:spPr>
@@ -3083,14 +3083,14 @@
           <a:noFill/>
           <a:extLst>
             <a:ext uri="{909E8E84-426E-40dd-AFC4-6F175D3DCCD1}">
-              <a14:hiddenFill xmlns:a14="http://schemas.microsoft.com/office/drawing/2010/main" xmlns="">
+              <a14:hiddenFill xmlns="" xmlns:a14="http://schemas.microsoft.com/office/drawing/2010/main">
                 <a:solidFill>
                   <a:srgbClr val="FFFFFF"/>
                 </a:solidFill>
               </a14:hiddenFill>
             </a:ext>
             <a:ext uri="{91240B29-F687-4f45-9708-019B960494DF}">
-              <a14:hiddenLine xmlns:a14="http://schemas.microsoft.com/office/drawing/2010/main" xmlns="" w="9525">
+              <a14:hiddenLine xmlns="" xmlns:a14="http://schemas.microsoft.com/office/drawing/2010/main" w="9525">
                 <a:solidFill>
                   <a:srgbClr val="000000"/>
                 </a:solidFill>
@@ -3250,7 +3250,7 @@
           </a:ln>
           <a:extLst>
             <a:ext uri="{FAA26D3D-D897-4be2-8F04-BA451C77F1D7}">
-              <ma14:placeholderFlag xmlns:ma14="http://schemas.microsoft.com/office/mac/drawingml/2011/main" xmlns="" val="1"/>
+              <ma14:placeholderFlag xmlns="" xmlns:ma14="http://schemas.microsoft.com/office/mac/drawingml/2011/main" val="1"/>
             </a:ext>
           </a:extLst>
         </p:spPr>
@@ -3279,7 +3279,7 @@
           </a:ln>
           <a:extLst>
             <a:ext uri="{FAA26D3D-D897-4be2-8F04-BA451C77F1D7}">
-              <ma14:placeholderFlag xmlns:ma14="http://schemas.microsoft.com/office/mac/drawingml/2011/main" xmlns="" val="1"/>
+              <ma14:placeholderFlag xmlns="" xmlns:ma14="http://schemas.microsoft.com/office/mac/drawingml/2011/main" val="1"/>
             </a:ext>
           </a:extLst>
         </p:spPr>
@@ -3344,14 +3344,14 @@
           <a:noFill/>
           <a:extLst>
             <a:ext uri="{909E8E84-426E-40dd-AFC4-6F175D3DCCD1}">
-              <a14:hiddenFill xmlns:a14="http://schemas.microsoft.com/office/drawing/2010/main" xmlns="">
+              <a14:hiddenFill xmlns="" xmlns:a14="http://schemas.microsoft.com/office/drawing/2010/main">
                 <a:solidFill>
                   <a:srgbClr val="FFFFFF"/>
                 </a:solidFill>
               </a14:hiddenFill>
             </a:ext>
             <a:ext uri="{91240B29-F687-4f45-9708-019B960494DF}">
-              <a14:hiddenLine xmlns:a14="http://schemas.microsoft.com/office/drawing/2010/main" xmlns="" w="9525">
+              <a14:hiddenLine xmlns="" xmlns:a14="http://schemas.microsoft.com/office/drawing/2010/main" w="9525">
                 <a:solidFill>
                   <a:srgbClr val="000000"/>
                 </a:solidFill>
@@ -3511,7 +3511,7 @@
           </a:ln>
           <a:extLst>
             <a:ext uri="{FAA26D3D-D897-4be2-8F04-BA451C77F1D7}">
-              <ma14:placeholderFlag xmlns:ma14="http://schemas.microsoft.com/office/mac/drawingml/2011/main" xmlns="" val="1"/>
+              <ma14:placeholderFlag xmlns="" xmlns:ma14="http://schemas.microsoft.com/office/mac/drawingml/2011/main" val="1"/>
             </a:ext>
           </a:extLst>
         </p:spPr>
@@ -3540,7 +3540,7 @@
           </a:ln>
           <a:extLst>
             <a:ext uri="{FAA26D3D-D897-4be2-8F04-BA451C77F1D7}">
-              <ma14:placeholderFlag xmlns:ma14="http://schemas.microsoft.com/office/mac/drawingml/2011/main" xmlns="" val="1"/>
+              <ma14:placeholderFlag xmlns="" xmlns:ma14="http://schemas.microsoft.com/office/mac/drawingml/2011/main" val="1"/>
             </a:ext>
           </a:extLst>
         </p:spPr>
@@ -4685,14 +4685,14 @@
           </a:ln>
           <a:extLst>
             <a:ext uri="{909E8E84-426E-40dd-AFC4-6F175D3DCCD1}">
-              <a14:hiddenFill xmlns:a14="http://schemas.microsoft.com/office/drawing/2010/main" xmlns="">
+              <a14:hiddenFill xmlns="" xmlns:a14="http://schemas.microsoft.com/office/drawing/2010/main">
                 <a:solidFill>
                   <a:srgbClr val="FFFFFF"/>
                 </a:solidFill>
               </a14:hiddenFill>
             </a:ext>
             <a:ext uri="{91240B29-F687-4f45-9708-019B960494DF}">
-              <a14:hiddenLine xmlns:a14="http://schemas.microsoft.com/office/drawing/2010/main" xmlns="" w="9525">
+              <a14:hiddenLine xmlns="" xmlns:a14="http://schemas.microsoft.com/office/drawing/2010/main" w="9525">
                 <a:solidFill>
                   <a:srgbClr val="000000"/>
                 </a:solidFill>
@@ -6987,14 +6987,14 @@
           </a:ln>
           <a:extLst>
             <a:ext uri="{909E8E84-426E-40dd-AFC4-6F175D3DCCD1}">
-              <a14:hiddenFill xmlns:a14="http://schemas.microsoft.com/office/drawing/2010/main" xmlns="">
+              <a14:hiddenFill xmlns="" xmlns:a14="http://schemas.microsoft.com/office/drawing/2010/main">
                 <a:solidFill>
                   <a:srgbClr val="FFFFFF"/>
                 </a:solidFill>
               </a14:hiddenFill>
             </a:ext>
             <a:ext uri="{91240B29-F687-4f45-9708-019B960494DF}">
-              <a14:hiddenLine xmlns:a14="http://schemas.microsoft.com/office/drawing/2010/main" xmlns="" w="9525">
+              <a14:hiddenLine xmlns="" xmlns:a14="http://schemas.microsoft.com/office/drawing/2010/main" w="9525">
                 <a:solidFill>
                   <a:srgbClr val="000000"/>
                 </a:solidFill>
@@ -7129,7 +7129,7 @@
                 <a:latin typeface="Calibri" charset="0"/>
                 <a:cs typeface="Calibri" charset="0"/>
               </a:rPr>
-              <a:t>Module 7</a:t>
+              <a:t>Module 2</a:t>
             </a:r>
           </a:p>
         </p:txBody>
@@ -7276,19 +7276,7 @@
               <a:rPr lang="en-US" b="1" dirty="0" err="1">
                 <a:cs typeface="Arial" charset="0"/>
               </a:rPr>
-              <a:t>bio</a:t>
-            </a:r>
-            <a:r>
-              <a:rPr lang="en-US" dirty="0" err="1">
-                <a:cs typeface="Arial" charset="0"/>
-              </a:rPr>
-              <a:t>informatics</a:t>
-            </a:r>
-            <a:r>
-              <a:rPr lang="en-US" sz="1400" dirty="0" err="1">
-                <a:cs typeface="Arial" charset="0"/>
-              </a:rPr>
-              <a:t>.ca</a:t>
+              <a:t>rnabio.org</a:t>
             </a:r>
             <a:endParaRPr lang="en-US" dirty="0">
               <a:cs typeface="Arial" charset="0"/>
@@ -8428,14 +8416,14 @@
           </a:ln>
           <a:extLst>
             <a:ext uri="{909E8E84-426E-40dd-AFC4-6F175D3DCCD1}">
-              <a14:hiddenFill xmlns:a14="http://schemas.microsoft.com/office/drawing/2010/main" xmlns="">
+              <a14:hiddenFill xmlns="" xmlns:a14="http://schemas.microsoft.com/office/drawing/2010/main">
                 <a:solidFill>
                   <a:srgbClr val="FFFFFF"/>
                 </a:solidFill>
               </a14:hiddenFill>
             </a:ext>
             <a:ext uri="{91240B29-F687-4f45-9708-019B960494DF}">
-              <a14:hiddenLine xmlns:a14="http://schemas.microsoft.com/office/drawing/2010/main" xmlns="" w="9525">
+              <a14:hiddenLine xmlns="" xmlns:a14="http://schemas.microsoft.com/office/drawing/2010/main" w="9525">
                 <a:solidFill>
                   <a:srgbClr val="000000"/>
                 </a:solidFill>
@@ -8482,14 +8470,14 @@
           </a:ln>
           <a:extLst>
             <a:ext uri="{909E8E84-426E-40dd-AFC4-6F175D3DCCD1}">
-              <a14:hiddenFill xmlns:a14="http://schemas.microsoft.com/office/drawing/2010/main" xmlns="">
+              <a14:hiddenFill xmlns="" xmlns:a14="http://schemas.microsoft.com/office/drawing/2010/main">
                 <a:solidFill>
                   <a:srgbClr val="FFFFFF"/>
                 </a:solidFill>
               </a14:hiddenFill>
             </a:ext>
             <a:ext uri="{91240B29-F687-4f45-9708-019B960494DF}">
-              <a14:hiddenLine xmlns:a14="http://schemas.microsoft.com/office/drawing/2010/main" xmlns="" w="9525">
+              <a14:hiddenLine xmlns="" xmlns:a14="http://schemas.microsoft.com/office/drawing/2010/main" w="9525">
                 <a:solidFill>
                   <a:srgbClr val="000000"/>
                 </a:solidFill>
@@ -8523,14 +8511,14 @@
           </a:ln>
           <a:extLst>
             <a:ext uri="{909E8E84-426E-40dd-AFC4-6F175D3DCCD1}">
-              <a14:hiddenFill xmlns:a14="http://schemas.microsoft.com/office/drawing/2010/main" xmlns="">
+              <a14:hiddenFill xmlns="" xmlns:a14="http://schemas.microsoft.com/office/drawing/2010/main">
                 <a:solidFill>
                   <a:srgbClr val="FFFFFF"/>
                 </a:solidFill>
               </a14:hiddenFill>
             </a:ext>
             <a:ext uri="{91240B29-F687-4f45-9708-019B960494DF}">
-              <a14:hiddenLine xmlns:a14="http://schemas.microsoft.com/office/drawing/2010/main" xmlns="" w="9525">
+              <a14:hiddenLine xmlns="" xmlns:a14="http://schemas.microsoft.com/office/drawing/2010/main" w="9525">
                 <a:solidFill>
                   <a:srgbClr val="000000"/>
                 </a:solidFill>
@@ -8684,14 +8672,14 @@
           </a:ln>
           <a:extLst>
             <a:ext uri="{909E8E84-426E-40dd-AFC4-6F175D3DCCD1}">
-              <a14:hiddenFill xmlns:a14="http://schemas.microsoft.com/office/drawing/2010/main" xmlns="">
+              <a14:hiddenFill xmlns="" xmlns:a14="http://schemas.microsoft.com/office/drawing/2010/main">
                 <a:solidFill>
                   <a:srgbClr val="FFFFFF"/>
                 </a:solidFill>
               </a14:hiddenFill>
             </a:ext>
             <a:ext uri="{91240B29-F687-4f45-9708-019B960494DF}">
-              <a14:hiddenLine xmlns:a14="http://schemas.microsoft.com/office/drawing/2010/main" xmlns="" w="9525">
+              <a14:hiddenLine xmlns="" xmlns:a14="http://schemas.microsoft.com/office/drawing/2010/main" w="9525">
                 <a:solidFill>
                   <a:srgbClr val="000000"/>
                 </a:solidFill>
@@ -9778,14 +9766,14 @@
           </a:ln>
           <a:extLst>
             <a:ext uri="{909E8E84-426E-40dd-AFC4-6F175D3DCCD1}">
-              <a14:hiddenFill xmlns:a14="http://schemas.microsoft.com/office/drawing/2010/main" xmlns="">
+              <a14:hiddenFill xmlns="" xmlns:a14="http://schemas.microsoft.com/office/drawing/2010/main">
                 <a:solidFill>
                   <a:srgbClr val="FFFFFF"/>
                 </a:solidFill>
               </a14:hiddenFill>
             </a:ext>
             <a:ext uri="{91240B29-F687-4f45-9708-019B960494DF}">
-              <a14:hiddenLine xmlns:a14="http://schemas.microsoft.com/office/drawing/2010/main" xmlns="" w="9525">
+              <a14:hiddenLine xmlns="" xmlns:a14="http://schemas.microsoft.com/office/drawing/2010/main" w="9525">
                 <a:solidFill>
                   <a:srgbClr val="000000"/>
                 </a:solidFill>
@@ -11648,14 +11636,14 @@
           </a:ln>
           <a:extLst>
             <a:ext uri="{909E8E84-426E-40dd-AFC4-6F175D3DCCD1}">
-              <a14:hiddenFill xmlns:a14="http://schemas.microsoft.com/office/drawing/2010/main" xmlns="">
+              <a14:hiddenFill xmlns="" xmlns:a14="http://schemas.microsoft.com/office/drawing/2010/main">
                 <a:solidFill>
                   <a:srgbClr val="FFFFFF"/>
                 </a:solidFill>
               </a14:hiddenFill>
             </a:ext>
             <a:ext uri="{91240B29-F687-4f45-9708-019B960494DF}">
-              <a14:hiddenLine xmlns:a14="http://schemas.microsoft.com/office/drawing/2010/main" xmlns="" w="9525">
+              <a14:hiddenLine xmlns="" xmlns:a14="http://schemas.microsoft.com/office/drawing/2010/main" w="9525">
                 <a:solidFill>
                   <a:srgbClr val="000000"/>
                 </a:solidFill>
@@ -11817,14 +11805,14 @@
           </a:ln>
           <a:extLst>
             <a:ext uri="{909E8E84-426E-40dd-AFC4-6F175D3DCCD1}">
-              <a14:hiddenFill xmlns:a14="http://schemas.microsoft.com/office/drawing/2010/main" xmlns="">
+              <a14:hiddenFill xmlns="" xmlns:a14="http://schemas.microsoft.com/office/drawing/2010/main">
                 <a:solidFill>
                   <a:srgbClr val="FFFFFF"/>
                 </a:solidFill>
               </a14:hiddenFill>
             </a:ext>
             <a:ext uri="{91240B29-F687-4f45-9708-019B960494DF}">
-              <a14:hiddenLine xmlns:a14="http://schemas.microsoft.com/office/drawing/2010/main" xmlns="" w="9525">
+              <a14:hiddenLine xmlns="" xmlns:a14="http://schemas.microsoft.com/office/drawing/2010/main" w="9525">
                 <a:solidFill>
                   <a:srgbClr val="000000"/>
                 </a:solidFill>
@@ -12479,14 +12467,14 @@
           </a:ln>
           <a:extLst>
             <a:ext uri="{909E8E84-426E-40dd-AFC4-6F175D3DCCD1}">
-              <a14:hiddenFill xmlns:a14="http://schemas.microsoft.com/office/drawing/2010/main" xmlns="">
+              <a14:hiddenFill xmlns="" xmlns:a14="http://schemas.microsoft.com/office/drawing/2010/main">
                 <a:solidFill>
                   <a:srgbClr val="FFFFFF"/>
                 </a:solidFill>
               </a14:hiddenFill>
             </a:ext>
             <a:ext uri="{91240B29-F687-4f45-9708-019B960494DF}">
-              <a14:hiddenLine xmlns:a14="http://schemas.microsoft.com/office/drawing/2010/main" xmlns="" w="9525">
+              <a14:hiddenLine xmlns="" xmlns:a14="http://schemas.microsoft.com/office/drawing/2010/main" w="9525">
                 <a:solidFill>
                   <a:srgbClr val="000000"/>
                 </a:solidFill>
